--- a/Textual zeugs/Submission_FracAtlas.pptx
+++ b/Textual zeugs/Submission_FracAtlas.pptx
@@ -5231,6 +5231,31 @@
 </file>
 
 <file path=customXml/item1.xml><?xml version="1.0" encoding="utf-8"?>
+<?mso-contentType ?>
+<FormTemplates xmlns="http://schemas.microsoft.com/sharepoint/v3/contenttype/forms">
+  <Display>DocumentLibraryForm</Display>
+  <Edit>DocumentLibraryForm</Edit>
+  <New>DocumentLibraryForm</New>
+</FormTemplates>
+</file>
+
+<file path=customXml/item2.xml><?xml version="1.0" encoding="utf-8"?>
+<p:properties xmlns:p="http://schemas.microsoft.com/office/2006/metadata/properties" xmlns:xsi="http://www.w3.org/2001/XMLSchema-instance" xmlns:pc="http://schemas.microsoft.com/office/infopath/2007/PartnerControls">
+  <documentManagement>
+    <SharedWithUsers xmlns="e8748061-88a1-4365-b87a-c92007073114">
+      <UserInfo>
+        <DisplayName/>
+        <AccountId xsi:nil="true"/>
+        <AccountType/>
+      </UserInfo>
+    </SharedWithUsers>
+    <PublishingExpirationDate xmlns="http://schemas.microsoft.com/sharepoint/v3" xsi:nil="true"/>
+    <PublishingStartDate xmlns="http://schemas.microsoft.com/sharepoint/v3" xsi:nil="true"/>
+  </documentManagement>
+</p:properties>
+</file>
+
+<file path=customXml/item3.xml><?xml version="1.0" encoding="utf-8"?>
 <ct:contentTypeSchema xmlns:ct="http://schemas.microsoft.com/office/2006/metadata/contentType" xmlns:ma="http://schemas.microsoft.com/office/2006/metadata/properties/metaAttributes" ct:_="" ma:_="" ma:contentTypeName="Dokument" ma:contentTypeID="0x010100C09E8B1E36AFE841B03959D076092035" ma:contentTypeVersion="13" ma:contentTypeDescription="Ein neues Dokument erstellen." ma:contentTypeScope="" ma:versionID="cb45e40efb34961ce4b95a33260a852d">
   <xsd:schema xmlns:xsd="http://www.w3.org/2001/XMLSchema" xmlns:xs="http://www.w3.org/2001/XMLSchema" xmlns:p="http://schemas.microsoft.com/office/2006/metadata/properties" xmlns:ns1="http://schemas.microsoft.com/sharepoint/v3" xmlns:ns2="e8748061-88a1-4365-b87a-c92007073114" xmlns:ns3="f3d5ca72-b7a9-4738-87e5-73b85df9b0b3" xmlns:ns4="0c17e389-58ea-4a12-bb02-1ff387b8d012" targetNamespace="http://schemas.microsoft.com/office/2006/metadata/properties" ma:root="true" ma:fieldsID="cd7f174ef4de8ae6cd4b8b48292176ed" ns1:_="" ns2:_="" ns3:_="" ns4:_="">
     <xsd:import namespace="http://schemas.microsoft.com/sharepoint/v3"/>
@@ -5483,48 +5508,10 @@
 </ct:contentTypeSchema>
 </file>
 
-<file path=customXml/item2.xml><?xml version="1.0" encoding="utf-8"?>
-<p:properties xmlns:p="http://schemas.microsoft.com/office/2006/metadata/properties" xmlns:xsi="http://www.w3.org/2001/XMLSchema-instance" xmlns:pc="http://schemas.microsoft.com/office/infopath/2007/PartnerControls">
-  <documentManagement>
-    <SharedWithUsers xmlns="e8748061-88a1-4365-b87a-c92007073114">
-      <UserInfo>
-        <DisplayName/>
-        <AccountId xsi:nil="true"/>
-        <AccountType/>
-      </UserInfo>
-    </SharedWithUsers>
-    <PublishingExpirationDate xmlns="http://schemas.microsoft.com/sharepoint/v3" xsi:nil="true"/>
-    <PublishingStartDate xmlns="http://schemas.microsoft.com/sharepoint/v3" xsi:nil="true"/>
-  </documentManagement>
-</p:properties>
-</file>
-
-<file path=customXml/item3.xml><?xml version="1.0" encoding="utf-8"?>
-<?mso-contentType ?>
-<FormTemplates xmlns="http://schemas.microsoft.com/sharepoint/v3/contenttype/forms">
-  <Display>DocumentLibraryForm</Display>
-  <Edit>DocumentLibraryForm</Edit>
-  <New>DocumentLibraryForm</New>
-</FormTemplates>
-</file>
-
 <file path=customXml/itemProps1.xml><?xml version="1.0" encoding="utf-8"?>
-<ds:datastoreItem xmlns:ds="http://schemas.openxmlformats.org/officeDocument/2006/customXml" ds:itemID="{E70511E1-1F8D-40C8-97C0-5913A3A9BDC0}">
+<ds:datastoreItem xmlns:ds="http://schemas.openxmlformats.org/officeDocument/2006/customXml" ds:itemID="{E4969B13-B49F-4626-A69F-7CD7E4012E41}">
   <ds:schemaRefs>
-    <ds:schemaRef ds:uri="http://schemas.microsoft.com/office/2006/metadata/contentType"/>
-    <ds:schemaRef ds:uri="http://schemas.microsoft.com/office/2006/metadata/properties/metaAttributes"/>
-    <ds:schemaRef ds:uri="http://www.w3.org/2001/XMLSchema"/>
-    <ds:schemaRef ds:uri="http://schemas.microsoft.com/office/2006/metadata/properties"/>
-    <ds:schemaRef ds:uri="http://schemas.microsoft.com/sharepoint/v3"/>
-    <ds:schemaRef ds:uri="e8748061-88a1-4365-b87a-c92007073114"/>
-    <ds:schemaRef ds:uri="f3d5ca72-b7a9-4738-87e5-73b85df9b0b3"/>
-    <ds:schemaRef ds:uri="0c17e389-58ea-4a12-bb02-1ff387b8d012"/>
-    <ds:schemaRef ds:uri="http://schemas.microsoft.com/office/2006/documentManagement/types"/>
-    <ds:schemaRef ds:uri="http://schemas.microsoft.com/office/infopath/2007/PartnerControls"/>
-    <ds:schemaRef ds:uri="http://schemas.openxmlformats.org/package/2006/metadata/core-properties"/>
-    <ds:schemaRef ds:uri="http://purl.org/dc/elements/1.1/"/>
-    <ds:schemaRef ds:uri="http://purl.org/dc/terms/"/>
-    <ds:schemaRef ds:uri="http://schemas.microsoft.com/internal/obd"/>
+    <ds:schemaRef ds:uri="http://schemas.microsoft.com/sharepoint/v3/contenttype/forms"/>
   </ds:schemaRefs>
 </ds:datastoreItem>
 </file>
@@ -5549,9 +5536,22 @@
 </file>
 
 <file path=customXml/itemProps3.xml><?xml version="1.0" encoding="utf-8"?>
-<ds:datastoreItem xmlns:ds="http://schemas.openxmlformats.org/officeDocument/2006/customXml" ds:itemID="{E4969B13-B49F-4626-A69F-7CD7E4012E41}">
+<ds:datastoreItem xmlns:ds="http://schemas.openxmlformats.org/officeDocument/2006/customXml" ds:itemID="{E70511E1-1F8D-40C8-97C0-5913A3A9BDC0}">
   <ds:schemaRefs>
-    <ds:schemaRef ds:uri="http://schemas.microsoft.com/sharepoint/v3/contenttype/forms"/>
+    <ds:schemaRef ds:uri="http://schemas.microsoft.com/office/2006/metadata/contentType"/>
+    <ds:schemaRef ds:uri="http://schemas.microsoft.com/office/2006/metadata/properties/metaAttributes"/>
+    <ds:schemaRef ds:uri="http://www.w3.org/2001/XMLSchema"/>
+    <ds:schemaRef ds:uri="http://schemas.microsoft.com/office/2006/metadata/properties"/>
+    <ds:schemaRef ds:uri="http://schemas.microsoft.com/sharepoint/v3"/>
+    <ds:schemaRef ds:uri="e8748061-88a1-4365-b87a-c92007073114"/>
+    <ds:schemaRef ds:uri="f3d5ca72-b7a9-4738-87e5-73b85df9b0b3"/>
+    <ds:schemaRef ds:uri="0c17e389-58ea-4a12-bb02-1ff387b8d012"/>
+    <ds:schemaRef ds:uri="http://schemas.microsoft.com/office/2006/documentManagement/types"/>
+    <ds:schemaRef ds:uri="http://schemas.microsoft.com/office/infopath/2007/PartnerControls"/>
+    <ds:schemaRef ds:uri="http://schemas.openxmlformats.org/package/2006/metadata/core-properties"/>
+    <ds:schemaRef ds:uri="http://purl.org/dc/elements/1.1/"/>
+    <ds:schemaRef ds:uri="http://purl.org/dc/terms/"/>
+    <ds:schemaRef ds:uri="http://schemas.microsoft.com/internal/obd"/>
   </ds:schemaRefs>
 </ds:datastoreItem>
 </file>